--- a/Chapter-3/Lesson-1/Lesson-1.pptx
+++ b/Chapter-3/Lesson-1/Lesson-1.pptx
@@ -11459,7 +11459,7 @@
           <a:p>
             <a:fld id="{7E3D4EF1-0385-43D3-A179-699E3F2FE344}" type="datetime1">
               <a:rPr lang="en-IN" smtClean="0"/>
-              <a:t>18-12-2024</a:t>
+              <a:t>21-11-2025</a:t>
             </a:fld>
             <a:endParaRPr lang="en-IN" dirty="0"/>
           </a:p>
